--- a/新竹黑克松-生活便利與婦幼安全.pptx
+++ b/新竹黑克松-生活便利與婦幼安全.pptx
@@ -749,9 +749,6 @@
               </a:rPr>
               <a:t>透過資料整理出便利以及安全各個分類的指數 列點為 把點為歸納成指數 透過指數來評估該點的各項便利及安全評估指標的高低，藉此可以知道該往哪個方向去改善</a:t>
             </a:r>
-            <a:endParaRPr lang="zh-TW" altLang="en-US" b="0" dirty="0" smtClean="0">
-              <a:effectLst/>
-            </a:endParaRPr>
           </a:p>
         </p:txBody>
       </p:sp>
@@ -6141,7 +6138,33 @@
                   <a:latin typeface="微軟正黑體" panose="020B0604030504040204" pitchFamily="34" charset="-120"/>
                   <a:ea typeface="微軟正黑體" panose="020B0604030504040204" pitchFamily="34" charset="-120"/>
                 </a:rPr>
-                <a:t>組員：黃豊凱、蔣宜成、吳奕昌、姜琇森、吳其聯</a:t>
+                <a:t>組員：黃豊凱、蔣宜成</a:t>
+              </a:r>
+              <a:r>
+                <a:rPr lang="zh-TW" altLang="en-US" b="1" spc="600" dirty="0" smtClean="0">
+                  <a:solidFill>
+                    <a:schemeClr val="tx1">
+                      <a:lumMod val="50000"/>
+                      <a:lumOff val="50000"/>
+                    </a:schemeClr>
+                  </a:solidFill>
+                  <a:latin typeface="微軟正黑體" panose="020B0604030504040204" pitchFamily="34" charset="-120"/>
+                  <a:ea typeface="微軟正黑體" panose="020B0604030504040204" pitchFamily="34" charset="-120"/>
+                </a:rPr>
+                <a:t>、陳奕昌</a:t>
+              </a:r>
+              <a:r>
+                <a:rPr lang="zh-TW" altLang="en-US" b="1" spc="600" dirty="0" smtClean="0">
+                  <a:solidFill>
+                    <a:schemeClr val="tx1">
+                      <a:lumMod val="50000"/>
+                      <a:lumOff val="50000"/>
+                    </a:schemeClr>
+                  </a:solidFill>
+                  <a:latin typeface="微軟正黑體" panose="020B0604030504040204" pitchFamily="34" charset="-120"/>
+                  <a:ea typeface="微軟正黑體" panose="020B0604030504040204" pitchFamily="34" charset="-120"/>
+                </a:rPr>
+                <a:t>、姜琇森、吳其聯</a:t>
               </a:r>
               <a:endParaRPr lang="en-US" altLang="zh-TW" b="1" spc="600" dirty="0" smtClean="0">
                 <a:solidFill>
@@ -7694,7 +7717,7 @@
           <p:cNvPr id="35" name="群組 34">
             <a:extLst>
               <a:ext uri="{FF2B5EF4-FFF2-40B4-BE49-F238E27FC236}">
-                <a16:creationId xmlns:a16="http://schemas.microsoft.com/office/drawing/2014/main" xmlns="" id="{A94639FB-3722-4736-BF5F-828BCEB614FB}"/>
+                <a16:creationId xmlns="" xmlns:a16="http://schemas.microsoft.com/office/drawing/2014/main" id="{A94639FB-3722-4736-BF5F-828BCEB614FB}"/>
               </a:ext>
             </a:extLst>
           </p:cNvPr>
@@ -7714,7 +7737,7 @@
             <p:cNvPr id="36" name="向右箭號 43">
               <a:extLst>
                 <a:ext uri="{FF2B5EF4-FFF2-40B4-BE49-F238E27FC236}">
-                  <a16:creationId xmlns:a16="http://schemas.microsoft.com/office/drawing/2014/main" xmlns="" id="{FEFAF2B6-1523-4105-A53A-AD2DFDA1C345}"/>
+                  <a16:creationId xmlns="" xmlns:a16="http://schemas.microsoft.com/office/drawing/2014/main" id="{FEFAF2B6-1523-4105-A53A-AD2DFDA1C345}"/>
                 </a:ext>
               </a:extLst>
             </p:cNvPr>
@@ -7785,7 +7808,7 @@
             <p:cNvPr id="37" name="文字方塊 36">
               <a:extLst>
                 <a:ext uri="{FF2B5EF4-FFF2-40B4-BE49-F238E27FC236}">
-                  <a16:creationId xmlns:a16="http://schemas.microsoft.com/office/drawing/2014/main" xmlns="" id="{E6CAE37B-2A48-44DE-8EF9-06BE3B172863}"/>
+                  <a16:creationId xmlns="" xmlns:a16="http://schemas.microsoft.com/office/drawing/2014/main" id="{E6CAE37B-2A48-44DE-8EF9-06BE3B172863}"/>
                 </a:ext>
               </a:extLst>
             </p:cNvPr>
@@ -7827,7 +7850,7 @@
             <p:cNvPr id="38" name="向右箭號 45">
               <a:extLst>
                 <a:ext uri="{FF2B5EF4-FFF2-40B4-BE49-F238E27FC236}">
-                  <a16:creationId xmlns:a16="http://schemas.microsoft.com/office/drawing/2014/main" xmlns="" id="{9AA2CE89-2A9C-4043-A535-0E40E1D3CF09}"/>
+                  <a16:creationId xmlns="" xmlns:a16="http://schemas.microsoft.com/office/drawing/2014/main" id="{9AA2CE89-2A9C-4043-A535-0E40E1D3CF09}"/>
                 </a:ext>
               </a:extLst>
             </p:cNvPr>
@@ -7898,7 +7921,7 @@
             <p:cNvPr id="39" name="文字方塊 38">
               <a:extLst>
                 <a:ext uri="{FF2B5EF4-FFF2-40B4-BE49-F238E27FC236}">
-                  <a16:creationId xmlns:a16="http://schemas.microsoft.com/office/drawing/2014/main" xmlns="" id="{3527B8E3-4A6C-45D3-9B68-55F8D7138BEF}"/>
+                  <a16:creationId xmlns="" xmlns:a16="http://schemas.microsoft.com/office/drawing/2014/main" id="{3527B8E3-4A6C-45D3-9B68-55F8D7138BEF}"/>
                 </a:ext>
               </a:extLst>
             </p:cNvPr>
@@ -7940,7 +7963,7 @@
             <p:cNvPr id="42" name="向右箭號 64">
               <a:extLst>
                 <a:ext uri="{FF2B5EF4-FFF2-40B4-BE49-F238E27FC236}">
-                  <a16:creationId xmlns:a16="http://schemas.microsoft.com/office/drawing/2014/main" xmlns="" id="{8A0727B9-0106-40C6-95F9-B858F89D3FB8}"/>
+                  <a16:creationId xmlns="" xmlns:a16="http://schemas.microsoft.com/office/drawing/2014/main" id="{8A0727B9-0106-40C6-95F9-B858F89D3FB8}"/>
                 </a:ext>
               </a:extLst>
             </p:cNvPr>
@@ -8011,7 +8034,7 @@
             <p:cNvPr id="43" name="文字方塊 42">
               <a:extLst>
                 <a:ext uri="{FF2B5EF4-FFF2-40B4-BE49-F238E27FC236}">
-                  <a16:creationId xmlns:a16="http://schemas.microsoft.com/office/drawing/2014/main" xmlns="" id="{D4D585F0-A6DB-4230-B763-7983F5545FC1}"/>
+                  <a16:creationId xmlns="" xmlns:a16="http://schemas.microsoft.com/office/drawing/2014/main" id="{D4D585F0-A6DB-4230-B763-7983F5545FC1}"/>
                 </a:ext>
               </a:extLst>
             </p:cNvPr>
@@ -8053,7 +8076,7 @@
             <p:cNvPr id="44" name="向右箭號 66">
               <a:extLst>
                 <a:ext uri="{FF2B5EF4-FFF2-40B4-BE49-F238E27FC236}">
-                  <a16:creationId xmlns:a16="http://schemas.microsoft.com/office/drawing/2014/main" xmlns="" id="{8C735A1D-3941-4055-BE38-6825007DFAD0}"/>
+                  <a16:creationId xmlns="" xmlns:a16="http://schemas.microsoft.com/office/drawing/2014/main" id="{8C735A1D-3941-4055-BE38-6825007DFAD0}"/>
                 </a:ext>
               </a:extLst>
             </p:cNvPr>
@@ -8124,7 +8147,7 @@
             <p:cNvPr id="45" name="文字方塊 44">
               <a:extLst>
                 <a:ext uri="{FF2B5EF4-FFF2-40B4-BE49-F238E27FC236}">
-                  <a16:creationId xmlns:a16="http://schemas.microsoft.com/office/drawing/2014/main" xmlns="" id="{83C28C44-61B2-4DE1-ADF1-35789CD9CE3B}"/>
+                  <a16:creationId xmlns="" xmlns:a16="http://schemas.microsoft.com/office/drawing/2014/main" id="{83C28C44-61B2-4DE1-ADF1-35789CD9CE3B}"/>
                 </a:ext>
               </a:extLst>
             </p:cNvPr>
@@ -14495,10 +14518,10 @@
         </p:nvGrpSpPr>
         <p:grpSpPr>
           <a:xfrm>
-            <a:off x="3101419" y="3672510"/>
-            <a:ext cx="6410284" cy="1180248"/>
+            <a:off x="3636485" y="5026688"/>
+            <a:ext cx="5281770" cy="1180248"/>
             <a:chOff x="1605689" y="4154884"/>
-            <a:chExt cx="6410284" cy="1117848"/>
+            <a:chExt cx="5281770" cy="1117848"/>
           </a:xfrm>
         </p:grpSpPr>
         <p:sp>
@@ -14510,7 +14533,7 @@
           <p:spPr>
             <a:xfrm>
               <a:off x="2752994" y="4471785"/>
-              <a:ext cx="5262979" cy="769441"/>
+              <a:ext cx="4134465" cy="728760"/>
             </a:xfrm>
             <a:prstGeom prst="rect">
               <a:avLst/>
@@ -14531,7 +14554,27 @@
                   <a:latin typeface="微軟正黑體" panose="020B0604030504040204" pitchFamily="34" charset="-120"/>
                   <a:ea typeface="微軟正黑體" panose="020B0604030504040204" pitchFamily="34" charset="-120"/>
                 </a:rPr>
-                <a:t>提升整體市民幸福感</a:t>
+                <a:t>創造</a:t>
+              </a:r>
+              <a:r>
+                <a:rPr lang="zh-TW" altLang="en-US" sz="4400" b="1" dirty="0" smtClean="0">
+                  <a:solidFill>
+                    <a:srgbClr val="FC5C57"/>
+                  </a:solidFill>
+                  <a:latin typeface="微軟正黑體" panose="020B0604030504040204" pitchFamily="34" charset="-120"/>
+                  <a:ea typeface="微軟正黑體" panose="020B0604030504040204" pitchFamily="34" charset="-120"/>
+                </a:rPr>
+                <a:t>市民</a:t>
+              </a:r>
+              <a:r>
+                <a:rPr lang="zh-TW" altLang="en-US" sz="4400" b="1" dirty="0" smtClean="0">
+                  <a:solidFill>
+                    <a:srgbClr val="FC5C57"/>
+                  </a:solidFill>
+                  <a:latin typeface="微軟正黑體" panose="020B0604030504040204" pitchFamily="34" charset="-120"/>
+                  <a:ea typeface="微軟正黑體" panose="020B0604030504040204" pitchFamily="34" charset="-120"/>
+                </a:rPr>
+                <a:t>幸福感</a:t>
               </a:r>
               <a:endParaRPr lang="zh-TW" altLang="en-US" sz="4400" b="1" dirty="0">
                 <a:solidFill>
@@ -14582,7 +14625,7 @@
         </p:nvGrpSpPr>
         <p:grpSpPr>
           <a:xfrm>
-            <a:off x="2997668" y="4959609"/>
+            <a:off x="3562191" y="3676373"/>
             <a:ext cx="5356064" cy="1147438"/>
             <a:chOff x="3077180" y="4959609"/>
             <a:chExt cx="5356064" cy="1147438"/>
@@ -14618,7 +14661,7 @@
                   <a:latin typeface="微軟正黑體" panose="020B0604030504040204" pitchFamily="34" charset="-120"/>
                   <a:ea typeface="微軟正黑體" panose="020B0604030504040204" pitchFamily="34" charset="-120"/>
                 </a:rPr>
-                <a:t>提升整體經濟力</a:t>
+                <a:t>提升市民滿意度</a:t>
               </a:r>
               <a:endParaRPr lang="zh-TW" altLang="en-US" sz="4400" b="1" dirty="0">
                 <a:solidFill>
@@ -14814,7 +14857,7 @@
                                           </p:stCondLst>
                                         </p:cTn>
                                         <p:tgtEl>
-                                          <p:spTgt spid="40"/>
+                                          <p:spTgt spid="43"/>
                                         </p:tgtEl>
                                         <p:attrNameLst>
                                           <p:attrName>style.visibility</p:attrName>
@@ -14828,7 +14871,7 @@
                                       <p:cBhvr additive="base">
                                         <p:cTn id="16" dur="500" fill="hold"/>
                                         <p:tgtEl>
-                                          <p:spTgt spid="40"/>
+                                          <p:spTgt spid="43"/>
                                         </p:tgtEl>
                                         <p:attrNameLst>
                                           <p:attrName>ppt_x</p:attrName>
@@ -14851,7 +14894,7 @@
                                       <p:cBhvr additive="base">
                                         <p:cTn id="17" dur="500" fill="hold"/>
                                         <p:tgtEl>
-                                          <p:spTgt spid="40"/>
+                                          <p:spTgt spid="43"/>
                                         </p:tgtEl>
                                         <p:attrNameLst>
                                           <p:attrName>ppt_y</p:attrName>
@@ -14905,7 +14948,7 @@
                                           </p:stCondLst>
                                         </p:cTn>
                                         <p:tgtEl>
-                                          <p:spTgt spid="43"/>
+                                          <p:spTgt spid="40"/>
                                         </p:tgtEl>
                                         <p:attrNameLst>
                                           <p:attrName>style.visibility</p:attrName>
@@ -14919,7 +14962,7 @@
                                       <p:cBhvr additive="base">
                                         <p:cTn id="22" dur="500" fill="hold"/>
                                         <p:tgtEl>
-                                          <p:spTgt spid="43"/>
+                                          <p:spTgt spid="40"/>
                                         </p:tgtEl>
                                         <p:attrNameLst>
                                           <p:attrName>ppt_x</p:attrName>
@@ -14942,7 +14985,7 @@
                                       <p:cBhvr additive="base">
                                         <p:cTn id="23" dur="500" fill="hold"/>
                                         <p:tgtEl>
-                                          <p:spTgt spid="43"/>
+                                          <p:spTgt spid="40"/>
                                         </p:tgtEl>
                                         <p:attrNameLst>
                                           <p:attrName>ppt_y</p:attrName>
@@ -17229,18 +17272,7 @@
                   <a:ea typeface="Microsoft JhengHei" charset="-120"/>
                   <a:cs typeface="Microsoft JhengHei" charset="-120"/>
                 </a:rPr>
-                <a:t>性別</a:t>
-              </a:r>
-              <a:r>
-                <a:rPr kumimoji="1" lang="zh-TW" altLang="en-US" sz="2800" b="1" dirty="0" smtClean="0">
-                  <a:solidFill>
-                    <a:schemeClr val="bg1"/>
-                  </a:solidFill>
-                  <a:latin typeface="Microsoft JhengHei" charset="-120"/>
-                  <a:ea typeface="Microsoft JhengHei" charset="-120"/>
-                  <a:cs typeface="Microsoft JhengHei" charset="-120"/>
-                </a:rPr>
-                <a:t>人口</a:t>
+                <a:t>性別人口</a:t>
               </a:r>
               <a:endParaRPr kumimoji="1" lang="en-US" altLang="zh-TW" sz="2800" b="1" dirty="0" smtClean="0">
                 <a:solidFill>
@@ -18844,7 +18876,7 @@
             <a:noFill/>
             <a:ln w="38100">
               <a:solidFill>
-                <a:srgbClr val="C00000"/>
+                <a:schemeClr val="accent2"/>
               </a:solidFill>
             </a:ln>
           </p:spPr>
@@ -20627,18 +20659,7 @@
                   <a:ea typeface="Microsoft JhengHei" charset="-120"/>
                   <a:cs typeface="Microsoft JhengHei" charset="-120"/>
                 </a:rPr>
-                <a:t>性別</a:t>
-              </a:r>
-              <a:r>
-                <a:rPr kumimoji="1" lang="zh-TW" altLang="en-US" sz="2800" b="1" dirty="0" smtClean="0">
-                  <a:solidFill>
-                    <a:schemeClr val="bg1"/>
-                  </a:solidFill>
-                  <a:latin typeface="Microsoft JhengHei" charset="-120"/>
-                  <a:ea typeface="Microsoft JhengHei" charset="-120"/>
-                  <a:cs typeface="Microsoft JhengHei" charset="-120"/>
-                </a:rPr>
-                <a:t>人口</a:t>
+                <a:t>性別人口</a:t>
               </a:r>
               <a:endParaRPr kumimoji="1" lang="en-US" altLang="zh-TW" sz="2800" b="1" dirty="0" smtClean="0">
                 <a:solidFill>
@@ -20933,7 +20954,7 @@
             <a:noFill/>
             <a:ln w="38100">
               <a:solidFill>
-                <a:srgbClr val="C00000"/>
+                <a:schemeClr val="accent2"/>
               </a:solidFill>
             </a:ln>
           </p:spPr>

--- a/新竹黑克松-生活便利與婦幼安全.pptx
+++ b/新竹黑克松-生活便利與婦幼安全.pptx
@@ -12674,16 +12674,265 @@
       </p:grpSp>
       <p:grpSp>
         <p:nvGrpSpPr>
-          <p:cNvPr id="50" name="群組 49"/>
+          <p:cNvPr id="47" name="群組 46"/>
           <p:cNvGrpSpPr/>
           <p:nvPr/>
         </p:nvGrpSpPr>
         <p:grpSpPr>
           <a:xfrm>
-            <a:off x="770579" y="3796860"/>
-            <a:ext cx="4838580" cy="1476257"/>
-            <a:chOff x="790457" y="3796860"/>
-            <a:chExt cx="4838580" cy="1476257"/>
+            <a:off x="8837803" y="3796860"/>
+            <a:ext cx="1440000" cy="1971763"/>
+            <a:chOff x="2812562" y="3773188"/>
+            <a:chExt cx="1440000" cy="1971763"/>
+          </a:xfrm>
+        </p:grpSpPr>
+        <p:sp>
+          <p:nvSpPr>
+            <p:cNvPr id="49" name="文字方塊 48"/>
+            <p:cNvSpPr txBox="1"/>
+            <p:nvPr/>
+          </p:nvSpPr>
+          <p:spPr>
+            <a:xfrm>
+              <a:off x="3108279" y="5221731"/>
+              <a:ext cx="983572" cy="523220"/>
+            </a:xfrm>
+            <a:prstGeom prst="rect">
+              <a:avLst/>
+            </a:prstGeom>
+            <a:noFill/>
+          </p:spPr>
+          <p:txBody>
+            <a:bodyPr wrap="square" rtlCol="0">
+              <a:spAutoFit/>
+            </a:bodyPr>
+            <a:lstStyle/>
+            <a:p>
+              <a:r>
+                <a:rPr kumimoji="1" lang="zh-TW" altLang="en-US" sz="2800" b="1" dirty="0" smtClean="0">
+                  <a:latin typeface="Microsoft JhengHei" charset="-120"/>
+                  <a:ea typeface="Microsoft JhengHei" charset="-120"/>
+                  <a:cs typeface="Microsoft JhengHei" charset="-120"/>
+                </a:rPr>
+                <a:t>警消</a:t>
+              </a:r>
+              <a:endParaRPr kumimoji="1" lang="zh-TW" altLang="en-US" sz="2800" b="1" dirty="0">
+                <a:latin typeface="Microsoft JhengHei" charset="-120"/>
+                <a:ea typeface="Microsoft JhengHei" charset="-120"/>
+                <a:cs typeface="Microsoft JhengHei" charset="-120"/>
+              </a:endParaRPr>
+            </a:p>
+          </p:txBody>
+        </p:sp>
+        <p:pic>
+          <p:nvPicPr>
+            <p:cNvPr id="51" name="圖片 50"/>
+            <p:cNvPicPr>
+              <a:picLocks noChangeAspect="1"/>
+            </p:cNvPicPr>
+            <p:nvPr/>
+          </p:nvPicPr>
+          <p:blipFill>
+            <a:blip r:embed="rId7">
+              <a:extLst>
+                <a:ext uri="{28A0092B-C50C-407E-A947-70E740481C1C}">
+                  <a14:useLocalDpi xmlns:a14="http://schemas.microsoft.com/office/drawing/2010/main" val="0"/>
+                </a:ext>
+              </a:extLst>
+            </a:blip>
+            <a:stretch>
+              <a:fillRect/>
+            </a:stretch>
+          </p:blipFill>
+          <p:spPr>
+            <a:xfrm>
+              <a:off x="2812562" y="3773188"/>
+              <a:ext cx="1440000" cy="1440000"/>
+            </a:xfrm>
+            <a:prstGeom prst="rect">
+              <a:avLst/>
+            </a:prstGeom>
+          </p:spPr>
+        </p:pic>
+      </p:grpSp>
+      <p:grpSp>
+        <p:nvGrpSpPr>
+          <p:cNvPr id="52" name="群組 51"/>
+          <p:cNvGrpSpPr/>
+          <p:nvPr/>
+        </p:nvGrpSpPr>
+        <p:grpSpPr>
+          <a:xfrm>
+            <a:off x="5536011" y="3745970"/>
+            <a:ext cx="1440000" cy="2027676"/>
+            <a:chOff x="2812562" y="1226915"/>
+            <a:chExt cx="1440000" cy="2027676"/>
+          </a:xfrm>
+        </p:grpSpPr>
+        <p:sp>
+          <p:nvSpPr>
+            <p:cNvPr id="53" name="文字方塊 52"/>
+            <p:cNvSpPr txBox="1"/>
+            <p:nvPr/>
+          </p:nvSpPr>
+          <p:spPr>
+            <a:xfrm>
+              <a:off x="3072966" y="2731371"/>
+              <a:ext cx="983572" cy="523220"/>
+            </a:xfrm>
+            <a:prstGeom prst="rect">
+              <a:avLst/>
+            </a:prstGeom>
+            <a:noFill/>
+          </p:spPr>
+          <p:txBody>
+            <a:bodyPr wrap="square" rtlCol="0">
+              <a:spAutoFit/>
+            </a:bodyPr>
+            <a:lstStyle/>
+            <a:p>
+              <a:r>
+                <a:rPr kumimoji="1" lang="zh-TW" altLang="en-US" sz="2800" b="1" dirty="0" smtClean="0">
+                  <a:latin typeface="Microsoft JhengHei" charset="-120"/>
+                  <a:ea typeface="Microsoft JhengHei" charset="-120"/>
+                  <a:cs typeface="Microsoft JhengHei" charset="-120"/>
+                </a:rPr>
+                <a:t>犯罪</a:t>
+              </a:r>
+              <a:endParaRPr kumimoji="1" lang="en-US" altLang="zh-TW" sz="2800" b="1" dirty="0" smtClean="0">
+                <a:latin typeface="Microsoft JhengHei" charset="-120"/>
+                <a:ea typeface="Microsoft JhengHei" charset="-120"/>
+                <a:cs typeface="Microsoft JhengHei" charset="-120"/>
+              </a:endParaRPr>
+            </a:p>
+          </p:txBody>
+        </p:sp>
+        <p:pic>
+          <p:nvPicPr>
+            <p:cNvPr id="54" name="圖片 53"/>
+            <p:cNvPicPr>
+              <a:picLocks noChangeAspect="1"/>
+            </p:cNvPicPr>
+            <p:nvPr/>
+          </p:nvPicPr>
+          <p:blipFill>
+            <a:blip r:embed="rId8">
+              <a:extLst>
+                <a:ext uri="{28A0092B-C50C-407E-A947-70E740481C1C}">
+                  <a14:useLocalDpi xmlns:a14="http://schemas.microsoft.com/office/drawing/2010/main" val="0"/>
+                </a:ext>
+              </a:extLst>
+            </a:blip>
+            <a:stretch>
+              <a:fillRect/>
+            </a:stretch>
+          </p:blipFill>
+          <p:spPr>
+            <a:xfrm>
+              <a:off x="2812562" y="1226915"/>
+              <a:ext cx="1440000" cy="1440000"/>
+            </a:xfrm>
+            <a:prstGeom prst="rect">
+              <a:avLst/>
+            </a:prstGeom>
+          </p:spPr>
+        </p:pic>
+      </p:grpSp>
+      <p:grpSp>
+        <p:nvGrpSpPr>
+          <p:cNvPr id="55" name="群組 54"/>
+          <p:cNvGrpSpPr/>
+          <p:nvPr/>
+        </p:nvGrpSpPr>
+        <p:grpSpPr>
+          <a:xfrm>
+            <a:off x="7204225" y="3813867"/>
+            <a:ext cx="1440000" cy="1966626"/>
+            <a:chOff x="7847868" y="1277425"/>
+            <a:chExt cx="1440000" cy="1966626"/>
+          </a:xfrm>
+        </p:grpSpPr>
+        <p:sp>
+          <p:nvSpPr>
+            <p:cNvPr id="56" name="文字方塊 55"/>
+            <p:cNvSpPr txBox="1"/>
+            <p:nvPr/>
+          </p:nvSpPr>
+          <p:spPr>
+            <a:xfrm>
+              <a:off x="8144785" y="2720831"/>
+              <a:ext cx="983572" cy="523220"/>
+            </a:xfrm>
+            <a:prstGeom prst="rect">
+              <a:avLst/>
+            </a:prstGeom>
+            <a:noFill/>
+          </p:spPr>
+          <p:txBody>
+            <a:bodyPr wrap="square" rtlCol="0">
+              <a:spAutoFit/>
+            </a:bodyPr>
+            <a:lstStyle/>
+            <a:p>
+              <a:r>
+                <a:rPr kumimoji="1" lang="zh-TW" altLang="en-US" sz="2800" b="1" dirty="0" smtClean="0">
+                  <a:latin typeface="Microsoft JhengHei" charset="-120"/>
+                  <a:ea typeface="Microsoft JhengHei" charset="-120"/>
+                  <a:cs typeface="Microsoft JhengHei" charset="-120"/>
+                </a:rPr>
+                <a:t>交通</a:t>
+              </a:r>
+              <a:endParaRPr kumimoji="1" lang="zh-TW" altLang="en-US" sz="2800" b="1" dirty="0">
+                <a:latin typeface="Microsoft JhengHei" charset="-120"/>
+                <a:ea typeface="Microsoft JhengHei" charset="-120"/>
+                <a:cs typeface="Microsoft JhengHei" charset="-120"/>
+              </a:endParaRPr>
+            </a:p>
+          </p:txBody>
+        </p:sp>
+        <p:pic>
+          <p:nvPicPr>
+            <p:cNvPr id="57" name="圖片 56"/>
+            <p:cNvPicPr>
+              <a:picLocks noChangeAspect="1"/>
+            </p:cNvPicPr>
+            <p:nvPr/>
+          </p:nvPicPr>
+          <p:blipFill>
+            <a:blip r:embed="rId9">
+              <a:extLst>
+                <a:ext uri="{28A0092B-C50C-407E-A947-70E740481C1C}">
+                  <a14:useLocalDpi xmlns:a14="http://schemas.microsoft.com/office/drawing/2010/main" val="0"/>
+                </a:ext>
+              </a:extLst>
+            </a:blip>
+            <a:stretch>
+              <a:fillRect/>
+            </a:stretch>
+          </p:blipFill>
+          <p:spPr>
+            <a:xfrm>
+              <a:off x="7847868" y="1277425"/>
+              <a:ext cx="1440000" cy="1440000"/>
+            </a:xfrm>
+            <a:prstGeom prst="rect">
+              <a:avLst/>
+            </a:prstGeom>
+          </p:spPr>
+        </p:pic>
+      </p:grpSp>
+      <p:grpSp>
+        <p:nvGrpSpPr>
+          <p:cNvPr id="32" name="群組 31"/>
+          <p:cNvGrpSpPr/>
+          <p:nvPr/>
+        </p:nvGrpSpPr>
+        <p:grpSpPr>
+          <a:xfrm>
+            <a:off x="763586" y="3909241"/>
+            <a:ext cx="4011591" cy="1212986"/>
+            <a:chOff x="763586" y="3909241"/>
+            <a:chExt cx="4011591" cy="1212986"/>
           </a:xfrm>
         </p:grpSpPr>
         <p:sp>
@@ -12694,7 +12943,7 @@
           </p:nvSpPr>
           <p:spPr>
             <a:xfrm>
-              <a:off x="790457" y="4241275"/>
+              <a:off x="763586" y="4324822"/>
               <a:ext cx="2954655" cy="646331"/>
             </a:xfrm>
             <a:prstGeom prst="rect">
@@ -12730,14 +12979,14 @@
         </p:sp>
         <p:pic>
           <p:nvPicPr>
-            <p:cNvPr id="48" name="圖片 47"/>
+            <p:cNvPr id="26" name="圖片 25"/>
             <p:cNvPicPr>
               <a:picLocks noChangeAspect="1"/>
             </p:cNvPicPr>
             <p:nvPr/>
           </p:nvPicPr>
           <p:blipFill>
-            <a:blip r:embed="rId7">
+            <a:blip r:embed="rId10">
               <a:extLst>
                 <a:ext uri="{28A0092B-C50C-407E-A947-70E740481C1C}">
                   <a14:useLocalDpi xmlns:a14="http://schemas.microsoft.com/office/drawing/2010/main" val="0"/>
@@ -12750,8 +12999,8 @@
           </p:blipFill>
           <p:spPr>
             <a:xfrm>
-              <a:off x="4152780" y="3796860"/>
-              <a:ext cx="1476257" cy="1476257"/>
+              <a:off x="3562191" y="3909241"/>
+              <a:ext cx="1212986" cy="1212986"/>
             </a:xfrm>
             <a:prstGeom prst="rect">
               <a:avLst/>
@@ -13135,7 +13384,7 @@
                                           </p:stCondLst>
                                         </p:cTn>
                                         <p:tgtEl>
-                                          <p:spTgt spid="50"/>
+                                          <p:spTgt spid="32"/>
                                         </p:tgtEl>
                                         <p:attrNameLst>
                                           <p:attrName>style.visibility</p:attrName>
@@ -13149,7 +13398,7 @@
                                       <p:cBhvr additive="base">
                                         <p:cTn id="34" dur="500" fill="hold"/>
                                         <p:tgtEl>
-                                          <p:spTgt spid="50"/>
+                                          <p:spTgt spid="32"/>
                                         </p:tgtEl>
                                         <p:attrNameLst>
                                           <p:attrName>ppt_x</p:attrName>
@@ -13172,7 +13421,7 @@
                                       <p:cBhvr additive="base">
                                         <p:cTn id="35" dur="500" fill="hold"/>
                                         <p:tgtEl>
-                                          <p:spTgt spid="50"/>
+                                          <p:spTgt spid="32"/>
                                         </p:tgtEl>
                                         <p:attrNameLst>
                                           <p:attrName>ppt_y</p:attrName>
@@ -13191,6 +13440,147 @@
                                         </p:tav>
                                       </p:tavLst>
                                     </p:anim>
+                                  </p:childTnLst>
+                                </p:cTn>
+                              </p:par>
+                            </p:childTnLst>
+                          </p:cTn>
+                        </p:par>
+                      </p:childTnLst>
+                    </p:cTn>
+                  </p:par>
+                  <p:par>
+                    <p:cTn id="36" fill="hold">
+                      <p:stCondLst>
+                        <p:cond delay="indefinite"/>
+                      </p:stCondLst>
+                      <p:childTnLst>
+                        <p:par>
+                          <p:cTn id="37" fill="hold">
+                            <p:stCondLst>
+                              <p:cond delay="0"/>
+                            </p:stCondLst>
+                            <p:childTnLst>
+                              <p:par>
+                                <p:cTn id="38" presetID="10" presetClass="entr" presetSubtype="0" fill="hold" nodeType="clickEffect">
+                                  <p:stCondLst>
+                                    <p:cond delay="0"/>
+                                  </p:stCondLst>
+                                  <p:childTnLst>
+                                    <p:set>
+                                      <p:cBhvr>
+                                        <p:cTn id="39" dur="1" fill="hold">
+                                          <p:stCondLst>
+                                            <p:cond delay="0"/>
+                                          </p:stCondLst>
+                                        </p:cTn>
+                                        <p:tgtEl>
+                                          <p:spTgt spid="52"/>
+                                        </p:tgtEl>
+                                        <p:attrNameLst>
+                                          <p:attrName>style.visibility</p:attrName>
+                                        </p:attrNameLst>
+                                      </p:cBhvr>
+                                      <p:to>
+                                        <p:strVal val="visible"/>
+                                      </p:to>
+                                    </p:set>
+                                    <p:animEffect transition="in" filter="fade">
+                                      <p:cBhvr>
+                                        <p:cTn id="40" dur="250"/>
+                                        <p:tgtEl>
+                                          <p:spTgt spid="52"/>
+                                        </p:tgtEl>
+                                      </p:cBhvr>
+                                    </p:animEffect>
+                                  </p:childTnLst>
+                                </p:cTn>
+                              </p:par>
+                            </p:childTnLst>
+                          </p:cTn>
+                        </p:par>
+                        <p:par>
+                          <p:cTn id="41" fill="hold">
+                            <p:stCondLst>
+                              <p:cond delay="250"/>
+                            </p:stCondLst>
+                            <p:childTnLst>
+                              <p:par>
+                                <p:cTn id="42" presetID="10" presetClass="entr" presetSubtype="0" fill="hold" nodeType="afterEffect">
+                                  <p:stCondLst>
+                                    <p:cond delay="0"/>
+                                  </p:stCondLst>
+                                  <p:childTnLst>
+                                    <p:set>
+                                      <p:cBhvr>
+                                        <p:cTn id="43" dur="1" fill="hold">
+                                          <p:stCondLst>
+                                            <p:cond delay="0"/>
+                                          </p:stCondLst>
+                                        </p:cTn>
+                                        <p:tgtEl>
+                                          <p:spTgt spid="55"/>
+                                        </p:tgtEl>
+                                        <p:attrNameLst>
+                                          <p:attrName>style.visibility</p:attrName>
+                                        </p:attrNameLst>
+                                      </p:cBhvr>
+                                      <p:to>
+                                        <p:strVal val="visible"/>
+                                      </p:to>
+                                    </p:set>
+                                    <p:animEffect transition="in" filter="fade">
+                                      <p:cBhvr>
+                                        <p:cTn id="44" dur="250"/>
+                                        <p:tgtEl>
+                                          <p:spTgt spid="55"/>
+                                        </p:tgtEl>
+                                      </p:cBhvr>
+                                    </p:animEffect>
+                                  </p:childTnLst>
+                                </p:cTn>
+                              </p:par>
+                            </p:childTnLst>
+                          </p:cTn>
+                        </p:par>
+                        <p:par>
+                          <p:cTn id="45" fill="hold">
+                            <p:stCondLst>
+                              <p:cond delay="500"/>
+                            </p:stCondLst>
+                            <p:childTnLst>
+                              <p:par>
+                                <p:cTn id="46" presetID="10" presetClass="entr" presetSubtype="0" fill="hold" nodeType="afterEffect">
+                                  <p:stCondLst>
+                                    <p:cond delay="0"/>
+                                  </p:stCondLst>
+                                  <p:childTnLst>
+                                    <p:set>
+                                      <p:cBhvr>
+                                        <p:cTn id="47" dur="1" fill="hold">
+                                          <p:stCondLst>
+                                            <p:cond delay="0"/>
+                                          </p:stCondLst>
+                                        </p:cTn>
+                                        <p:tgtEl>
+                                          <p:spTgt spid="47"/>
+                                        </p:tgtEl>
+                                        <p:attrNameLst>
+                                          <p:attrName>style.visibility</p:attrName>
+                                        </p:attrNameLst>
+                                      </p:cBhvr>
+                                      <p:to>
+                                        <p:strVal val="visible"/>
+                                      </p:to>
+                                    </p:set>
+                                    <p:animEffect transition="in" filter="fade">
+                                      <p:cBhvr>
+                                        <p:cTn id="48" dur="250"/>
+                                        <p:tgtEl>
+                                          <p:spTgt spid="47"/>
+                                        </p:tgtEl>
+                                      </p:cBhvr>
+                                    </p:animEffect>
                                   </p:childTnLst>
                                 </p:cTn>
                               </p:par>
@@ -14518,7 +14908,7 @@
         </p:nvGrpSpPr>
         <p:grpSpPr>
           <a:xfrm>
-            <a:off x="3636485" y="5026688"/>
+            <a:off x="3457580" y="5026688"/>
             <a:ext cx="5281770" cy="1180248"/>
             <a:chOff x="1605689" y="4154884"/>
             <a:chExt cx="5281770" cy="1117848"/>
@@ -14625,7 +15015,7 @@
         </p:nvGrpSpPr>
         <p:grpSpPr>
           <a:xfrm>
-            <a:off x="3562191" y="3676373"/>
+            <a:off x="3383286" y="3676373"/>
             <a:ext cx="5356064" cy="1147438"/>
             <a:chOff x="3077180" y="4959609"/>
             <a:chExt cx="5356064" cy="1147438"/>

--- a/新竹黑克松-生活便利與婦幼安全.pptx
+++ b/新竹黑克松-生活便利與婦幼安全.pptx
@@ -14909,9 +14909,9 @@
         <p:grpSpPr>
           <a:xfrm>
             <a:off x="3457580" y="5026688"/>
-            <a:ext cx="5281770" cy="1180248"/>
+            <a:ext cx="4153256" cy="1180248"/>
             <a:chOff x="1605689" y="4154884"/>
-            <a:chExt cx="5281770" cy="1117848"/>
+            <a:chExt cx="4153256" cy="1117848"/>
           </a:xfrm>
         </p:grpSpPr>
         <p:sp>
@@ -14923,7 +14923,7 @@
           <p:spPr>
             <a:xfrm>
               <a:off x="2752994" y="4471785"/>
-              <a:ext cx="4134465" cy="728760"/>
+              <a:ext cx="3005951" cy="728760"/>
             </a:xfrm>
             <a:prstGeom prst="rect">
               <a:avLst/>
@@ -14937,7 +14937,7 @@
             <a:lstStyle/>
             <a:p>
               <a:r>
-                <a:rPr lang="zh-TW" altLang="en-US" sz="4400" b="1" dirty="0" smtClean="0">
+                <a:rPr lang="zh-TW" altLang="en-US" sz="4400" b="1" smtClean="0">
                   <a:solidFill>
                     <a:srgbClr val="FC5C57"/>
                   </a:solidFill>
@@ -14947,17 +14947,7 @@
                 <a:t>創造</a:t>
               </a:r>
               <a:r>
-                <a:rPr lang="zh-TW" altLang="en-US" sz="4400" b="1" dirty="0" smtClean="0">
-                  <a:solidFill>
-                    <a:srgbClr val="FC5C57"/>
-                  </a:solidFill>
-                  <a:latin typeface="微軟正黑體" panose="020B0604030504040204" pitchFamily="34" charset="-120"/>
-                  <a:ea typeface="微軟正黑體" panose="020B0604030504040204" pitchFamily="34" charset="-120"/>
-                </a:rPr>
-                <a:t>市民</a:t>
-              </a:r>
-              <a:r>
-                <a:rPr lang="zh-TW" altLang="en-US" sz="4400" b="1" dirty="0" smtClean="0">
+                <a:rPr lang="zh-TW" altLang="en-US" sz="4400" b="1" smtClean="0">
                   <a:solidFill>
                     <a:srgbClr val="FC5C57"/>
                   </a:solidFill>
